--- a/presentation/Presentation.pptx
+++ b/presentation/Presentation.pptx
@@ -6051,6 +6051,12 @@
             <a:r>
               <a:rPr lang="en-US" dirty="0"/>
               <a:t>Rethink tags and searching. </a:t>
+            </a:r>
+          </a:p>
+          <a:p>
+            <a:r>
+              <a:rPr lang="en-US" dirty="0"/>
+              <a:t>Mobile-friendly</a:t>
             </a:r>
           </a:p>
           <a:p>

--- a/presentation/Presentation.pptx
+++ b/presentation/Presentation.pptx
@@ -231,7 +231,7 @@
           <a:p>
             <a:fld id="{0DCA0844-C266-46EC-A036-E1634F64C44A}" type="datetimeFigureOut">
               <a:rPr lang="en-US"/>
-              <a:t>2/27/2018</a:t>
+              <a:t>2/28/2018</a:t>
             </a:fld>
             <a:endParaRPr/>
           </a:p>
@@ -396,7 +396,7 @@
           <a:p>
             <a:fld id="{28C08BCD-7B2F-4BCE-87AF-5D67EFFE4D17}" type="datetimeFigureOut">
               <a:rPr lang="en-US"/>
-              <a:t>2/27/2018</a:t>
+              <a:t>2/28/2018</a:t>
             </a:fld>
             <a:endParaRPr/>
           </a:p>
@@ -1058,7 +1058,7 @@
             <a:fld id="{8E36636D-D922-432D-A958-524484B5923D}" type="datetimeFigureOut">
               <a:rPr lang="en-US"/>
               <a:pPr/>
-              <a:t>2/27/2018</a:t>
+              <a:t>2/28/2018</a:t>
             </a:fld>
             <a:endParaRPr/>
           </a:p>
@@ -1434,7 +1434,7 @@
             <a:fld id="{749F4917-CE56-4645-8050-1555FA0B180B}" type="datetimeFigureOut">
               <a:rPr lang="en-US"/>
               <a:pPr/>
-              <a:t>2/27/2018</a:t>
+              <a:t>2/28/2018</a:t>
             </a:fld>
             <a:endParaRPr/>
           </a:p>
@@ -1757,7 +1757,7 @@
             <a:fld id="{8E36636D-D922-432D-A958-524484B5923D}" type="datetimeFigureOut">
               <a:rPr lang="en-US"/>
               <a:pPr/>
-              <a:t>2/27/2018</a:t>
+              <a:t>2/28/2018</a:t>
             </a:fld>
             <a:endParaRPr/>
           </a:p>
@@ -1918,7 +1918,7 @@
             <a:fld id="{8E36636D-D922-432D-A958-524484B5923D}" type="datetimeFigureOut">
               <a:rPr lang="en-US"/>
               <a:pPr/>
-              <a:t>2/27/2018</a:t>
+              <a:t>2/28/2018</a:t>
             </a:fld>
             <a:endParaRPr/>
           </a:p>
@@ -2141,7 +2141,7 @@
             <a:fld id="{8E36636D-D922-432D-A958-524484B5923D}" type="datetimeFigureOut">
               <a:rPr lang="en-US"/>
               <a:pPr/>
-              <a:t>2/27/2018</a:t>
+              <a:t>2/28/2018</a:t>
             </a:fld>
             <a:endParaRPr/>
           </a:p>
@@ -2563,7 +2563,7 @@
             <a:fld id="{8E36636D-D922-432D-A958-524484B5923D}" type="datetimeFigureOut">
               <a:rPr lang="en-US"/>
               <a:pPr/>
-              <a:t>2/27/2018</a:t>
+              <a:t>2/28/2018</a:t>
             </a:fld>
             <a:endParaRPr/>
           </a:p>
@@ -3066,7 +3066,7 @@
             <a:fld id="{8E36636D-D922-432D-A958-524484B5923D}" type="datetimeFigureOut">
               <a:rPr lang="en-US"/>
               <a:pPr/>
-              <a:t>2/27/2018</a:t>
+              <a:t>2/28/2018</a:t>
             </a:fld>
             <a:endParaRPr/>
           </a:p>
@@ -3367,7 +3367,7 @@
             <a:fld id="{8E36636D-D922-432D-A958-524484B5923D}" type="datetimeFigureOut">
               <a:rPr lang="en-US"/>
               <a:pPr/>
-              <a:t>2/27/2018</a:t>
+              <a:t>2/28/2018</a:t>
             </a:fld>
             <a:endParaRPr/>
           </a:p>
@@ -3808,7 +3808,7 @@
             <a:fld id="{8E36636D-D922-432D-A958-524484B5923D}" type="datetimeFigureOut">
               <a:rPr lang="en-US"/>
               <a:pPr/>
-              <a:t>2/27/2018</a:t>
+              <a:t>2/28/2018</a:t>
             </a:fld>
             <a:endParaRPr/>
           </a:p>
@@ -3935,7 +3935,7 @@
             <a:fld id="{8E36636D-D922-432D-A958-524484B5923D}" type="datetimeFigureOut">
               <a:rPr lang="en-US"/>
               <a:pPr/>
-              <a:t>2/27/2018</a:t>
+              <a:t>2/28/2018</a:t>
             </a:fld>
             <a:endParaRPr/>
           </a:p>
@@ -4039,7 +4039,7 @@
             <a:fld id="{8E36636D-D922-432D-A958-524484B5923D}" type="datetimeFigureOut">
               <a:rPr lang="en-US"/>
               <a:pPr/>
-              <a:t>2/27/2018</a:t>
+              <a:t>2/28/2018</a:t>
             </a:fld>
             <a:endParaRPr/>
           </a:p>
@@ -4458,7 +4458,7 @@
             <a:fld id="{8E36636D-D922-432D-A958-524484B5923D}" type="datetimeFigureOut">
               <a:rPr lang="en-US"/>
               <a:pPr/>
-              <a:t>2/27/2018</a:t>
+              <a:t>2/28/2018</a:t>
             </a:fld>
             <a:endParaRPr/>
           </a:p>
@@ -4960,7 +4960,7 @@
             <a:fld id="{8E36636D-D922-432D-A958-524484B5923D}" type="datetimeFigureOut">
               <a:rPr lang="en-US"/>
               <a:pPr/>
-              <a:t>2/27/2018</a:t>
+              <a:t>2/28/2018</a:t>
             </a:fld>
             <a:endParaRPr/>
           </a:p>
@@ -5613,8 +5613,19 @@
           </a:xfrm>
         </p:spPr>
         <p:txBody>
-          <a:bodyPr/>
-          <a:lstStyle/>
+          <a:bodyPr>
+            <a:normAutofit lnSpcReduction="10000"/>
+          </a:bodyPr>
+          <a:lstStyle/>
+          <a:p>
+            <a:pPr marL="0" indent="0">
+              <a:buNone/>
+            </a:pPr>
+            <a:r>
+              <a:rPr lang="en-US" dirty="0"/>
+              <a:t>A free exchange of quality goods.</a:t>
+            </a:r>
+          </a:p>
           <a:p>
             <a:pPr marL="0" indent="0">
               <a:buNone/>
@@ -5639,7 +5650,7 @@
             </a:pPr>
             <a:r>
               <a:rPr lang="en-US" dirty="0"/>
-              <a:t>People can shop, by searching on keyword, location and tags, for items they want to own.</a:t>
+              <a:t>People can shop, by searching on keywords, location and tags, for items they want to own.</a:t>
             </a:r>
           </a:p>
           <a:p>
@@ -6180,7 +6191,15 @@
             </a:pPr>
             <a:r>
               <a:rPr lang="en-US" dirty="0"/>
-              <a:t>I want offer my gratitude to </a:t>
+              <a:t>I </a:t>
+            </a:r>
+            <a:r>
+              <a:rPr lang="en-US"/>
+              <a:t>want to offer </a:t>
+            </a:r>
+            <a:r>
+              <a:rPr lang="en-US" dirty="0"/>
+              <a:t>my gratitude to </a:t>
             </a:r>
             <a:r>
               <a:rPr lang="en-US" dirty="0" err="1"/>
